--- a/static/images/metallb/diagrams.pptx
+++ b/static/images/metallb/diagrams.pptx
@@ -291,7 +291,7 @@
           <a:p>
             <a:fld id="{7490B448-01FF-4197-977B-DC9388EA4429}" type="datetimeFigureOut">
               <a:rPr kumimoji="1" lang="ja-JP" altLang="en-US" smtClean="0"/>
-              <a:t>2020/10/31</a:t>
+              <a:t>2020/11/1</a:t>
             </a:fld>
             <a:endParaRPr kumimoji="1" lang="ja-JP" altLang="en-US"/>
           </a:p>
@@ -493,7 +493,7 @@
           <a:p>
             <a:fld id="{7490B448-01FF-4197-977B-DC9388EA4429}" type="datetimeFigureOut">
               <a:rPr kumimoji="1" lang="ja-JP" altLang="en-US" smtClean="0"/>
-              <a:t>2020/10/31</a:t>
+              <a:t>2020/11/1</a:t>
             </a:fld>
             <a:endParaRPr kumimoji="1" lang="ja-JP" altLang="en-US"/>
           </a:p>
@@ -705,7 +705,7 @@
           <a:p>
             <a:fld id="{7490B448-01FF-4197-977B-DC9388EA4429}" type="datetimeFigureOut">
               <a:rPr kumimoji="1" lang="ja-JP" altLang="en-US" smtClean="0"/>
-              <a:t>2020/10/31</a:t>
+              <a:t>2020/11/1</a:t>
             </a:fld>
             <a:endParaRPr kumimoji="1" lang="ja-JP" altLang="en-US"/>
           </a:p>
@@ -907,7 +907,7 @@
           <a:p>
             <a:fld id="{7490B448-01FF-4197-977B-DC9388EA4429}" type="datetimeFigureOut">
               <a:rPr kumimoji="1" lang="ja-JP" altLang="en-US" smtClean="0"/>
-              <a:t>2020/10/31</a:t>
+              <a:t>2020/11/1</a:t>
             </a:fld>
             <a:endParaRPr kumimoji="1" lang="ja-JP" altLang="en-US"/>
           </a:p>
@@ -1153,7 +1153,7 @@
           <a:p>
             <a:fld id="{7490B448-01FF-4197-977B-DC9388EA4429}" type="datetimeFigureOut">
               <a:rPr kumimoji="1" lang="ja-JP" altLang="en-US" smtClean="0"/>
-              <a:t>2020/10/31</a:t>
+              <a:t>2020/11/1</a:t>
             </a:fld>
             <a:endParaRPr kumimoji="1" lang="ja-JP" altLang="en-US"/>
           </a:p>
@@ -1505,7 +1505,7 @@
           <a:p>
             <a:fld id="{7490B448-01FF-4197-977B-DC9388EA4429}" type="datetimeFigureOut">
               <a:rPr kumimoji="1" lang="ja-JP" altLang="en-US" smtClean="0"/>
-              <a:t>2020/10/31</a:t>
+              <a:t>2020/11/1</a:t>
             </a:fld>
             <a:endParaRPr kumimoji="1" lang="ja-JP" altLang="en-US"/>
           </a:p>
@@ -1991,7 +1991,7 @@
           <a:p>
             <a:fld id="{7490B448-01FF-4197-977B-DC9388EA4429}" type="datetimeFigureOut">
               <a:rPr kumimoji="1" lang="ja-JP" altLang="en-US" smtClean="0"/>
-              <a:t>2020/10/31</a:t>
+              <a:t>2020/11/1</a:t>
             </a:fld>
             <a:endParaRPr kumimoji="1" lang="ja-JP" altLang="en-US"/>
           </a:p>
@@ -2109,7 +2109,7 @@
           <a:p>
             <a:fld id="{7490B448-01FF-4197-977B-DC9388EA4429}" type="datetimeFigureOut">
               <a:rPr kumimoji="1" lang="ja-JP" altLang="en-US" smtClean="0"/>
-              <a:t>2020/10/31</a:t>
+              <a:t>2020/11/1</a:t>
             </a:fld>
             <a:endParaRPr kumimoji="1" lang="ja-JP" altLang="en-US"/>
           </a:p>
@@ -2204,7 +2204,7 @@
           <a:p>
             <a:fld id="{7490B448-01FF-4197-977B-DC9388EA4429}" type="datetimeFigureOut">
               <a:rPr kumimoji="1" lang="ja-JP" altLang="en-US" smtClean="0"/>
-              <a:t>2020/10/31</a:t>
+              <a:t>2020/11/1</a:t>
             </a:fld>
             <a:endParaRPr kumimoji="1" lang="ja-JP" altLang="en-US"/>
           </a:p>
@@ -2513,7 +2513,7 @@
           <a:p>
             <a:fld id="{7490B448-01FF-4197-977B-DC9388EA4429}" type="datetimeFigureOut">
               <a:rPr kumimoji="1" lang="ja-JP" altLang="en-US" smtClean="0"/>
-              <a:t>2020/10/31</a:t>
+              <a:t>2020/11/1</a:t>
             </a:fld>
             <a:endParaRPr kumimoji="1" lang="ja-JP" altLang="en-US"/>
           </a:p>
@@ -2766,7 +2766,7 @@
           <a:p>
             <a:fld id="{7490B448-01FF-4197-977B-DC9388EA4429}" type="datetimeFigureOut">
               <a:rPr kumimoji="1" lang="ja-JP" altLang="en-US" smtClean="0"/>
-              <a:t>2020/10/31</a:t>
+              <a:t>2020/11/1</a:t>
             </a:fld>
             <a:endParaRPr kumimoji="1" lang="ja-JP" altLang="en-US"/>
           </a:p>
@@ -3011,7 +3011,7 @@
           <a:p>
             <a:fld id="{7490B448-01FF-4197-977B-DC9388EA4429}" type="datetimeFigureOut">
               <a:rPr kumimoji="1" lang="ja-JP" altLang="en-US" smtClean="0"/>
-              <a:t>2020/10/31</a:t>
+              <a:t>2020/11/1</a:t>
             </a:fld>
             <a:endParaRPr kumimoji="1" lang="ja-JP" altLang="en-US"/>
           </a:p>
@@ -5810,29 +5810,118 @@
           </a:fontRef>
         </p:style>
       </p:cxnSp>
+      <p:sp>
+        <p:nvSpPr>
+          <p:cNvPr id="20" name="角丸四角形 19"/>
+          <p:cNvSpPr/>
+          <p:nvPr/>
+        </p:nvSpPr>
+        <p:spPr>
+          <a:xfrm>
+            <a:off x="6300192" y="2439501"/>
+            <a:ext cx="1183463" cy="432048"/>
+          </a:xfrm>
+          <a:prstGeom prst="roundRect">
+            <a:avLst>
+              <a:gd name="adj" fmla="val 10254"/>
+            </a:avLst>
+          </a:prstGeom>
+          <a:ln>
+            <a:noFill/>
+          </a:ln>
+        </p:spPr>
+        <p:style>
+          <a:lnRef idx="2">
+            <a:schemeClr val="accent4">
+              <a:shade val="50000"/>
+            </a:schemeClr>
+          </a:lnRef>
+          <a:fillRef idx="1">
+            <a:schemeClr val="accent4"/>
+          </a:fillRef>
+          <a:effectRef idx="0">
+            <a:schemeClr val="accent4"/>
+          </a:effectRef>
+          <a:fontRef idx="minor">
+            <a:schemeClr val="lt1"/>
+          </a:fontRef>
+        </p:style>
+        <p:txBody>
+          <a:bodyPr rtlCol="0" anchor="ctr"/>
+          <a:lstStyle/>
+          <a:p>
+            <a:pPr algn="ctr"/>
+            <a:r>
+              <a:rPr kumimoji="1" lang="en-US" altLang="ja-JP" dirty="0" smtClean="0"/>
+              <a:t>Controller</a:t>
+            </a:r>
+            <a:endParaRPr kumimoji="1" lang="ja-JP" altLang="en-US" dirty="0"/>
+          </a:p>
+        </p:txBody>
+      </p:sp>
       <p:cxnSp>
         <p:nvCxnSpPr>
-          <p:cNvPr id="7" name="カギ線コネクタ 6"/>
+          <p:cNvPr id="21" name="直線コネクタ 20"/>
           <p:cNvCxnSpPr>
-            <a:stCxn id="5" idx="3"/>
-            <a:endCxn id="25" idx="6"/>
+            <a:stCxn id="20" idx="1"/>
+            <a:endCxn id="5" idx="3"/>
           </p:cNvCxnSpPr>
           <p:nvPr/>
         </p:nvCxnSpPr>
         <p:spPr>
           <a:xfrm flipH="1">
-            <a:off x="4862157" y="2655525"/>
-            <a:ext cx="54006" cy="1859498"/>
-          </a:xfrm>
-          <a:prstGeom prst="bentConnector3">
-            <a:avLst>
-              <a:gd name="adj1" fmla="val -3655655"/>
-            </a:avLst>
+            <a:off x="4916163" y="2655525"/>
+            <a:ext cx="1384029" cy="0"/>
+          </a:xfrm>
+          <a:prstGeom prst="line">
+            <a:avLst/>
           </a:prstGeom>
           <a:ln w="19050">
             <a:solidFill>
               <a:schemeClr val="tx1"/>
             </a:solidFill>
+          </a:ln>
+        </p:spPr>
+        <p:style>
+          <a:lnRef idx="1">
+            <a:schemeClr val="accent1"/>
+          </a:lnRef>
+          <a:fillRef idx="0">
+            <a:schemeClr val="accent1"/>
+          </a:fillRef>
+          <a:effectRef idx="0">
+            <a:schemeClr val="accent1"/>
+          </a:effectRef>
+          <a:fontRef idx="minor">
+            <a:schemeClr val="tx1"/>
+          </a:fontRef>
+        </p:style>
+      </p:cxnSp>
+      <p:cxnSp>
+        <p:nvCxnSpPr>
+          <p:cNvPr id="22" name="カギ線コネクタ 21"/>
+          <p:cNvCxnSpPr>
+            <a:stCxn id="20" idx="2"/>
+            <a:endCxn id="25" idx="6"/>
+          </p:cNvCxnSpPr>
+          <p:nvPr/>
+        </p:nvCxnSpPr>
+        <p:spPr>
+          <a:xfrm rot="5400000">
+            <a:off x="5055304" y="2678403"/>
+            <a:ext cx="1643474" cy="2029767"/>
+          </a:xfrm>
+          <a:prstGeom prst="bentConnector2">
+            <a:avLst/>
+          </a:prstGeom>
+          <a:ln w="19050">
+            <a:solidFill>
+              <a:schemeClr val="accent5">
+                <a:lumMod val="50000"/>
+              </a:schemeClr>
+            </a:solidFill>
+            <a:prstDash val="sysDash"/>
+            <a:tailEnd type="arrow"/>
           </a:ln>
         </p:spPr>
         <p:style>
